--- a/2017-05_DRG_GenAssembly_ver.2.pptx
+++ b/2017-05_DRG_GenAssembly_ver.2.pptx
@@ -127,7 +127,7 @@
   </p:defaultTextStyle>
   <p:extLst>
     <p:ext uri="{EFAFB233-063F-42B5-8137-9DF3F51BA10A}">
-      <p15:sldGuideLst xmlns:p15="http://schemas.microsoft.com/office/powerpoint/2012/main" xmlns="">
+      <p15:sldGuideLst xmlns="" xmlns:p15="http://schemas.microsoft.com/office/powerpoint/2012/main">
         <p15:guide id="1" orient="horz" pos="1620">
           <p15:clr>
             <a:srgbClr val="A4A3A4"/>
@@ -15446,7 +15446,7 @@
         </p:nvSpPr>
         <p:spPr>
           <a:xfrm>
-            <a:off x="1219200" y="152400"/>
+            <a:off x="1241612" y="143849"/>
             <a:ext cx="1106393" cy="685800"/>
           </a:xfrm>
           <a:prstGeom prst="rect">
@@ -15528,8 +15528,8 @@
         </p:nvSpPr>
         <p:spPr>
           <a:xfrm>
-            <a:off x="1132114" y="1504950"/>
-            <a:ext cx="7315200" cy="2240613"/>
+            <a:off x="1066800" y="1657350"/>
+            <a:ext cx="3429000" cy="1754326"/>
           </a:xfrm>
           <a:prstGeom prst="rect">
             <a:avLst/>
@@ -15550,7 +15550,7 @@
               <a:buChar char="•"/>
             </a:pPr>
             <a:r>
-              <a:rPr lang="en-US" sz="2400" dirty="0">
+              <a:rPr lang="en-US" dirty="0">
                 <a:solidFill>
                   <a:schemeClr val="tx1">
                     <a:lumMod val="65000"/>
@@ -15570,7 +15570,7 @@
               <a:buChar char="•"/>
             </a:pPr>
             <a:r>
-              <a:rPr lang="en-US" sz="2400" dirty="0">
+              <a:rPr lang="en-US" dirty="0">
                 <a:solidFill>
                   <a:schemeClr val="tx1">
                     <a:lumMod val="65000"/>
@@ -15578,7 +15578,29 @@
                   </a:schemeClr>
                 </a:solidFill>
               </a:rPr>
-              <a:t>US Census American Community Survey</a:t>
+              <a:t>US Census </a:t>
+            </a:r>
+            <a:r>
+              <a:rPr lang="en-US" dirty="0" smtClean="0">
+                <a:solidFill>
+                  <a:schemeClr val="tx1">
+                    <a:lumMod val="65000"/>
+                    <a:lumOff val="35000"/>
+                  </a:schemeClr>
+                </a:solidFill>
+              </a:rPr>
+              <a:t>Bureau : American </a:t>
+            </a:r>
+            <a:r>
+              <a:rPr lang="en-US" dirty="0">
+                <a:solidFill>
+                  <a:schemeClr val="tx1">
+                    <a:lumMod val="65000"/>
+                    <a:lumOff val="35000"/>
+                  </a:schemeClr>
+                </a:solidFill>
+              </a:rPr>
+              <a:t>Community Survey</a:t>
             </a:r>
           </a:p>
           <a:p>
@@ -15590,7 +15612,7 @@
               <a:buChar char="•"/>
             </a:pPr>
             <a:r>
-              <a:rPr lang="en-US" sz="2400" dirty="0">
+              <a:rPr lang="en-US" dirty="0" smtClean="0">
                 <a:solidFill>
                   <a:schemeClr val="tx1">
                     <a:lumMod val="65000"/>
@@ -15598,10 +15620,10 @@
                   </a:schemeClr>
                 </a:solidFill>
               </a:rPr>
-              <a:t>Colleagues at </a:t>
-            </a:r>
-            <a:r>
-              <a:rPr lang="en-US" sz="2400" dirty="0" err="1">
+              <a:t>Novogradac </a:t>
+            </a:r>
+            <a:r>
+              <a:rPr lang="en-US" dirty="0">
                 <a:solidFill>
                   <a:schemeClr val="tx1">
                     <a:lumMod val="65000"/>
@@ -15609,10 +15631,10 @@
                   </a:schemeClr>
                 </a:solidFill>
               </a:rPr>
-              <a:t>Novogradac</a:t>
-            </a:r>
-            <a:r>
-              <a:rPr lang="en-US" sz="2400" dirty="0">
+              <a:t>&amp; Company </a:t>
+            </a:r>
+            <a:r>
+              <a:rPr lang="en-US" dirty="0" smtClean="0">
                 <a:solidFill>
                   <a:schemeClr val="tx1">
                     <a:lumMod val="65000"/>
@@ -15620,9 +15642,174 @@
                   </a:schemeClr>
                 </a:solidFill>
               </a:rPr>
-              <a:t> &amp; Company LLP</a:t>
-            </a:r>
-          </a:p>
+              <a:t>LLP</a:t>
+            </a:r>
+            <a:endParaRPr lang="en-US" dirty="0">
+              <a:solidFill>
+                <a:schemeClr val="tx1">
+                  <a:lumMod val="65000"/>
+                  <a:lumOff val="35000"/>
+                </a:schemeClr>
+              </a:solidFill>
+            </a:endParaRPr>
+          </a:p>
+        </p:txBody>
+      </p:sp>
+      <p:sp>
+        <p:nvSpPr>
+          <p:cNvPr id="12" name="Rectangle 11"/>
+          <p:cNvSpPr/>
+          <p:nvPr/>
+        </p:nvSpPr>
+        <p:spPr>
+          <a:xfrm>
+            <a:off x="1143000" y="819604"/>
+            <a:ext cx="1106393" cy="685800"/>
+          </a:xfrm>
+          <a:prstGeom prst="rect">
+            <a:avLst/>
+          </a:prstGeom>
+          <a:solidFill>
+            <a:schemeClr val="bg1"/>
+          </a:solidFill>
+          <a:ln>
+            <a:noFill/>
+          </a:ln>
+        </p:spPr>
+        <p:style>
+          <a:lnRef idx="2">
+            <a:schemeClr val="accent1">
+              <a:shade val="50000"/>
+            </a:schemeClr>
+          </a:lnRef>
+          <a:fillRef idx="1">
+            <a:schemeClr val="accent1"/>
+          </a:fillRef>
+          <a:effectRef idx="0">
+            <a:schemeClr val="accent1"/>
+          </a:effectRef>
+          <a:fontRef idx="minor">
+            <a:schemeClr val="lt1"/>
+          </a:fontRef>
+        </p:style>
+        <p:txBody>
+          <a:bodyPr rtlCol="0" anchor="ctr"/>
+          <a:lstStyle/>
+          <a:p>
+            <a:pPr algn="ctr"/>
+            <a:endParaRPr lang="en-US"/>
+          </a:p>
+        </p:txBody>
+      </p:sp>
+      <p:sp>
+        <p:nvSpPr>
+          <p:cNvPr id="13" name="TextBox 12"/>
+          <p:cNvSpPr txBox="1"/>
+          <p:nvPr/>
+        </p:nvSpPr>
+        <p:spPr>
+          <a:xfrm>
+            <a:off x="1175122" y="1123950"/>
+            <a:ext cx="896399" cy="461665"/>
+          </a:xfrm>
+          <a:prstGeom prst="rect">
+            <a:avLst/>
+          </a:prstGeom>
+          <a:noFill/>
+        </p:spPr>
+        <p:txBody>
+          <a:bodyPr wrap="none" rtlCol="0">
+            <a:spAutoFit/>
+          </a:bodyPr>
+          <a:lstStyle/>
+          <a:p>
+            <a:r>
+              <a:rPr lang="en-US" sz="2400" dirty="0" smtClean="0">
+                <a:solidFill>
+                  <a:schemeClr val="tx1">
+                    <a:lumMod val="65000"/>
+                    <a:lumOff val="35000"/>
+                  </a:schemeClr>
+                </a:solidFill>
+              </a:rPr>
+              <a:t>Data </a:t>
+            </a:r>
+            <a:endParaRPr lang="en-US" sz="2400" dirty="0">
+              <a:solidFill>
+                <a:schemeClr val="tx1">
+                  <a:lumMod val="65000"/>
+                  <a:lumOff val="35000"/>
+                </a:schemeClr>
+              </a:solidFill>
+            </a:endParaRPr>
+          </a:p>
+        </p:txBody>
+      </p:sp>
+      <p:sp>
+        <p:nvSpPr>
+          <p:cNvPr id="14" name="TextBox 13"/>
+          <p:cNvSpPr txBox="1"/>
+          <p:nvPr/>
+        </p:nvSpPr>
+        <p:spPr>
+          <a:xfrm>
+            <a:off x="5029200" y="1123949"/>
+            <a:ext cx="858248" cy="461665"/>
+          </a:xfrm>
+          <a:prstGeom prst="rect">
+            <a:avLst/>
+          </a:prstGeom>
+          <a:noFill/>
+        </p:spPr>
+        <p:txBody>
+          <a:bodyPr wrap="none" rtlCol="0">
+            <a:spAutoFit/>
+          </a:bodyPr>
+          <a:lstStyle/>
+          <a:p>
+            <a:r>
+              <a:rPr lang="en-US" sz="2400" dirty="0" smtClean="0">
+                <a:solidFill>
+                  <a:schemeClr val="tx1">
+                    <a:lumMod val="65000"/>
+                    <a:lumOff val="35000"/>
+                  </a:schemeClr>
+                </a:solidFill>
+              </a:rPr>
+              <a:t>Tools</a:t>
+            </a:r>
+            <a:endParaRPr lang="en-US" sz="2400" dirty="0">
+              <a:solidFill>
+                <a:schemeClr val="tx1">
+                  <a:lumMod val="65000"/>
+                  <a:lumOff val="35000"/>
+                </a:schemeClr>
+              </a:solidFill>
+            </a:endParaRPr>
+          </a:p>
+        </p:txBody>
+      </p:sp>
+      <p:sp>
+        <p:nvSpPr>
+          <p:cNvPr id="16" name="TextBox 15"/>
+          <p:cNvSpPr txBox="1"/>
+          <p:nvPr/>
+        </p:nvSpPr>
+        <p:spPr>
+          <a:xfrm>
+            <a:off x="4876800" y="1657350"/>
+            <a:ext cx="3429000" cy="1754326"/>
+          </a:xfrm>
+          <a:prstGeom prst="rect">
+            <a:avLst/>
+          </a:prstGeom>
+          <a:noFill/>
+        </p:spPr>
+        <p:txBody>
+          <a:bodyPr wrap="square" rtlCol="0">
+            <a:spAutoFit/>
+          </a:bodyPr>
+          <a:lstStyle/>
           <a:p>
             <a:pPr marL="285750" indent="-285750">
               <a:lnSpc>
@@ -15632,7 +15819,7 @@
               <a:buChar char="•"/>
             </a:pPr>
             <a:r>
-              <a:rPr lang="en-US" sz="2400" dirty="0">
+              <a:rPr lang="en-US" dirty="0" smtClean="0">
                 <a:solidFill>
                   <a:schemeClr val="tx1">
                     <a:lumMod val="65000"/>
@@ -15640,8 +15827,103 @@
                   </a:schemeClr>
                 </a:solidFill>
               </a:rPr>
-              <a:t>General Assembly DC!</a:t>
-            </a:r>
+              <a:t>Linear Regression in </a:t>
+            </a:r>
+            <a:r>
+              <a:rPr lang="en-US" dirty="0" err="1" smtClean="0">
+                <a:solidFill>
+                  <a:schemeClr val="tx1">
+                    <a:lumMod val="65000"/>
+                    <a:lumOff val="35000"/>
+                  </a:schemeClr>
+                </a:solidFill>
+              </a:rPr>
+              <a:t>sklearn</a:t>
+            </a:r>
+            <a:endParaRPr lang="en-US" dirty="0" smtClean="0">
+              <a:solidFill>
+                <a:schemeClr val="tx1">
+                  <a:lumMod val="65000"/>
+                  <a:lumOff val="35000"/>
+                </a:schemeClr>
+              </a:solidFill>
+            </a:endParaRPr>
+          </a:p>
+          <a:p>
+            <a:pPr marL="285750" indent="-285750">
+              <a:lnSpc>
+                <a:spcPct val="150000"/>
+              </a:lnSpc>
+              <a:buFont typeface="Arial" panose="020B0604020202020204" pitchFamily="34" charset="0"/>
+              <a:buChar char="•"/>
+            </a:pPr>
+            <a:r>
+              <a:rPr lang="en-US" dirty="0" smtClean="0">
+                <a:solidFill>
+                  <a:schemeClr val="tx1">
+                    <a:lumMod val="65000"/>
+                    <a:lumOff val="35000"/>
+                  </a:schemeClr>
+                </a:solidFill>
+              </a:rPr>
+              <a:t>Python requests</a:t>
+            </a:r>
+          </a:p>
+          <a:p>
+            <a:pPr marL="285750" indent="-285750">
+              <a:lnSpc>
+                <a:spcPct val="150000"/>
+              </a:lnSpc>
+              <a:buFont typeface="Arial" panose="020B0604020202020204" pitchFamily="34" charset="0"/>
+              <a:buChar char="•"/>
+            </a:pPr>
+            <a:r>
+              <a:rPr lang="en-US" dirty="0" err="1" smtClean="0">
+                <a:solidFill>
+                  <a:schemeClr val="tx1">
+                    <a:lumMod val="65000"/>
+                    <a:lumOff val="35000"/>
+                  </a:schemeClr>
+                </a:solidFill>
+              </a:rPr>
+              <a:t>Seaborn</a:t>
+            </a:r>
+            <a:endParaRPr lang="en-US" dirty="0" smtClean="0">
+              <a:solidFill>
+                <a:schemeClr val="tx1">
+                  <a:lumMod val="65000"/>
+                  <a:lumOff val="35000"/>
+                </a:schemeClr>
+              </a:solidFill>
+            </a:endParaRPr>
+          </a:p>
+          <a:p>
+            <a:pPr marL="285750" indent="-285750">
+              <a:lnSpc>
+                <a:spcPct val="150000"/>
+              </a:lnSpc>
+              <a:buFont typeface="Arial" panose="020B0604020202020204" pitchFamily="34" charset="0"/>
+              <a:buChar char="•"/>
+            </a:pPr>
+            <a:r>
+              <a:rPr lang="en-US" dirty="0" smtClean="0">
+                <a:solidFill>
+                  <a:schemeClr val="tx1">
+                    <a:lumMod val="65000"/>
+                    <a:lumOff val="35000"/>
+                  </a:schemeClr>
+                </a:solidFill>
+              </a:rPr>
+              <a:t>GitHub</a:t>
+            </a:r>
+            <a:endParaRPr lang="en-US" dirty="0">
+              <a:solidFill>
+                <a:schemeClr val="tx1">
+                  <a:lumMod val="65000"/>
+                  <a:lumOff val="35000"/>
+                </a:schemeClr>
+              </a:solidFill>
+            </a:endParaRPr>
           </a:p>
         </p:txBody>
       </p:sp>
@@ -15936,7 +16218,7 @@
         <p:spPr>
           <a:xfrm>
             <a:off x="1132114" y="2190750"/>
-            <a:ext cx="4838248" cy="707886"/>
+            <a:ext cx="4838248" cy="400110"/>
           </a:xfrm>
           <a:prstGeom prst="rect">
             <a:avLst/>
@@ -15950,20 +16232,7 @@
           <a:lstStyle/>
           <a:p>
             <a:r>
-              <a:rPr lang="en-US" sz="2000" dirty="0">
-                <a:solidFill>
-                  <a:schemeClr val="tx1">
-                    <a:lumMod val="65000"/>
-                    <a:lumOff val="35000"/>
-                  </a:schemeClr>
-                </a:solidFill>
-              </a:rPr>
-              <a:t>You can find me at:</a:t>
-            </a:r>
-          </a:p>
-          <a:p>
-            <a:r>
-              <a:rPr lang="en-US" sz="2000" dirty="0">
+              <a:rPr lang="en-US" sz="2000" dirty="0" smtClean="0">
                 <a:solidFill>
                   <a:schemeClr val="accent4"/>
                 </a:solidFill>
@@ -15971,7 +16240,7 @@
               <a:t>David </a:t>
             </a:r>
             <a:r>
-              <a:rPr lang="en-US" sz="2000" dirty="0" err="1">
+              <a:rPr lang="en-US" sz="2000" dirty="0">
                 <a:solidFill>
                   <a:schemeClr val="accent4"/>
                 </a:solidFill>
